--- a/Presentations/Unit 2/CS8392-U2-7-Object Clonning.pptx
+++ b/Presentations/Unit 2/CS8392-U2-7-Object Clonning.pptx
@@ -202,7 +202,7 @@
             <a:fld id="{9515075B-F3F0-4441-A1BD-B7B515B708FF}" type="datetimeFigureOut">
               <a:rPr lang="en-US" smtClean="0"/>
               <a:pPr/>
-              <a:t>8/9/2018</a:t>
+              <a:t>7/10/2019</a:t>
             </a:fld>
             <a:endParaRPr lang="en-US"/>
           </a:p>
@@ -739,7 +739,7 @@
             <a:fld id="{6E658DF8-B8C0-4C7F-85EB-B53A2DDD44A9}" type="datetimeFigureOut">
               <a:rPr lang="en-US" smtClean="0"/>
               <a:pPr/>
-              <a:t>8/9/2018</a:t>
+              <a:t>7/10/2019</a:t>
             </a:fld>
             <a:endParaRPr lang="en-US"/>
           </a:p>
@@ -906,7 +906,7 @@
             <a:fld id="{6E658DF8-B8C0-4C7F-85EB-B53A2DDD44A9}" type="datetimeFigureOut">
               <a:rPr lang="en-US" smtClean="0"/>
               <a:pPr/>
-              <a:t>8/9/2018</a:t>
+              <a:t>7/10/2019</a:t>
             </a:fld>
             <a:endParaRPr lang="en-US"/>
           </a:p>
@@ -1083,7 +1083,7 @@
             <a:fld id="{6E658DF8-B8C0-4C7F-85EB-B53A2DDD44A9}" type="datetimeFigureOut">
               <a:rPr lang="en-US" smtClean="0"/>
               <a:pPr/>
-              <a:t>8/9/2018</a:t>
+              <a:t>7/10/2019</a:t>
             </a:fld>
             <a:endParaRPr lang="en-US"/>
           </a:p>
@@ -1282,7 +1282,7 @@
             <a:fld id="{6E658DF8-B8C0-4C7F-85EB-B53A2DDD44A9}" type="datetimeFigureOut">
               <a:rPr lang="en-US" smtClean="0"/>
               <a:pPr/>
-              <a:t>8/9/2018</a:t>
+              <a:t>7/10/2019</a:t>
             </a:fld>
             <a:endParaRPr lang="en-US"/>
           </a:p>
@@ -1525,7 +1525,7 @@
             <a:fld id="{6E658DF8-B8C0-4C7F-85EB-B53A2DDD44A9}" type="datetimeFigureOut">
               <a:rPr lang="en-US" smtClean="0"/>
               <a:pPr/>
-              <a:t>8/9/2018</a:t>
+              <a:t>7/10/2019</a:t>
             </a:fld>
             <a:endParaRPr lang="en-US"/>
           </a:p>
@@ -1810,7 +1810,7 @@
             <a:fld id="{6E658DF8-B8C0-4C7F-85EB-B53A2DDD44A9}" type="datetimeFigureOut">
               <a:rPr lang="en-US" smtClean="0"/>
               <a:pPr/>
-              <a:t>8/9/2018</a:t>
+              <a:t>7/10/2019</a:t>
             </a:fld>
             <a:endParaRPr lang="en-US"/>
           </a:p>
@@ -2229,7 +2229,7 @@
             <a:fld id="{6E658DF8-B8C0-4C7F-85EB-B53A2DDD44A9}" type="datetimeFigureOut">
               <a:rPr lang="en-US" smtClean="0"/>
               <a:pPr/>
-              <a:t>8/9/2018</a:t>
+              <a:t>7/10/2019</a:t>
             </a:fld>
             <a:endParaRPr lang="en-US"/>
           </a:p>
@@ -2344,7 +2344,7 @@
             <a:fld id="{6E658DF8-B8C0-4C7F-85EB-B53A2DDD44A9}" type="datetimeFigureOut">
               <a:rPr lang="en-US" smtClean="0"/>
               <a:pPr/>
-              <a:t>8/9/2018</a:t>
+              <a:t>7/10/2019</a:t>
             </a:fld>
             <a:endParaRPr lang="en-US"/>
           </a:p>
@@ -2436,7 +2436,7 @@
             <a:fld id="{6E658DF8-B8C0-4C7F-85EB-B53A2DDD44A9}" type="datetimeFigureOut">
               <a:rPr lang="en-US" smtClean="0"/>
               <a:pPr/>
-              <a:t>8/9/2018</a:t>
+              <a:t>7/10/2019</a:t>
             </a:fld>
             <a:endParaRPr lang="en-US"/>
           </a:p>
@@ -2710,7 +2710,7 @@
             <a:fld id="{6E658DF8-B8C0-4C7F-85EB-B53A2DDD44A9}" type="datetimeFigureOut">
               <a:rPr lang="en-US" smtClean="0"/>
               <a:pPr/>
-              <a:t>8/9/2018</a:t>
+              <a:t>7/10/2019</a:t>
             </a:fld>
             <a:endParaRPr lang="en-US"/>
           </a:p>
@@ -2960,7 +2960,7 @@
             <a:fld id="{6E658DF8-B8C0-4C7F-85EB-B53A2DDD44A9}" type="datetimeFigureOut">
               <a:rPr lang="en-US" smtClean="0"/>
               <a:pPr/>
-              <a:t>8/9/2018</a:t>
+              <a:t>7/10/2019</a:t>
             </a:fld>
             <a:endParaRPr lang="en-US"/>
           </a:p>
@@ -3176,7 +3176,7 @@
             <a:fld id="{6E658DF8-B8C0-4C7F-85EB-B53A2DDD44A9}" type="datetimeFigureOut">
               <a:rPr lang="en-US" smtClean="0"/>
               <a:pPr/>
-              <a:t>8/9/2018</a:t>
+              <a:t>7/10/2019</a:t>
             </a:fld>
             <a:endParaRPr lang="en-US"/>
           </a:p>
@@ -3571,11 +3571,7 @@
           <a:p>
             <a:r>
               <a:rPr lang="en-US" dirty="0" smtClean="0"/>
-              <a:t>Object </a:t>
-            </a:r>
-            <a:r>
-              <a:rPr lang="en-US" dirty="0" smtClean="0"/>
-              <a:t>Cloning</a:t>
+              <a:t>Object Cloning</a:t>
             </a:r>
             <a:endParaRPr lang="en-US" dirty="0"/>
           </a:p>
@@ -4280,13 +4276,7 @@
               <a:rPr lang="en-US" dirty="0" smtClean="0">
                 <a:hlinkClick r:id="rId2"/>
               </a:rPr>
-              <a:t>http://</a:t>
-            </a:r>
-            <a:r>
-              <a:rPr lang="en-US" dirty="0" smtClean="0">
-                <a:hlinkClick r:id="rId2"/>
-              </a:rPr>
-              <a:t>www.cyber-dojo.org/review/show/TVHTEEVeGC?avatar=hummingbird&amp;was_tag=1&amp;now_tag=1&amp;filename=undefined</a:t>
+              <a:t>http://www.cyber-dojo.org/review/show/TVHTEEVeGC?avatar=hummingbird&amp;was_tag=1&amp;now_tag=1&amp;filename=undefined</a:t>
             </a:r>
             <a:endParaRPr lang="en-US" dirty="0" smtClean="0"/>
           </a:p>
@@ -4504,13 +4494,7 @@
               <a:rPr lang="en-US" dirty="0" smtClean="0">
                 <a:hlinkClick r:id="rId4"/>
               </a:rPr>
-              <a:t>http://</a:t>
-            </a:r>
-            <a:r>
-              <a:rPr lang="en-US" dirty="0" smtClean="0">
-                <a:hlinkClick r:id="rId4"/>
-              </a:rPr>
-              <a:t>www.cyber-dojo.org/review/show/TVHTEEVeGC?avatar=hummingbird&amp;was_tag=4&amp;now_tag=4&amp;filename=output</a:t>
+              <a:t>http://www.cyber-dojo.org/review/show/TVHTEEVeGC?avatar=hummingbird&amp;was_tag=4&amp;now_tag=4&amp;filename=output</a:t>
             </a:r>
             <a:endParaRPr lang="en-US" dirty="0"/>
           </a:p>
@@ -4629,13 +4613,7 @@
               <a:rPr lang="en-US" dirty="0" smtClean="0">
                 <a:hlinkClick r:id="rId3"/>
               </a:rPr>
-              <a:t>http://</a:t>
-            </a:r>
-            <a:r>
-              <a:rPr lang="en-US" dirty="0" smtClean="0">
-                <a:hlinkClick r:id="rId3"/>
-              </a:rPr>
-              <a:t>www.cyber-dojo.org/review/show/TVHTEEVeGC?avatar=hummingbird&amp;was_tag=5&amp;now_tag=5&amp;filename=output</a:t>
+              <a:t>http://www.cyber-dojo.org/review/show/TVHTEEVeGC?avatar=hummingbird&amp;was_tag=5&amp;now_tag=5&amp;filename=output</a:t>
             </a:r>
             <a:endParaRPr lang="en-US" dirty="0"/>
           </a:p>
@@ -4795,11 +4773,7 @@
           <a:p>
             <a:r>
               <a:rPr lang="en-IN" dirty="0" err="1" smtClean="0"/>
-              <a:t>r</a:t>
-            </a:r>
-            <a:r>
-              <a:rPr lang="en-IN" dirty="0" err="1" smtClean="0"/>
-              <a:t>ollno</a:t>
+              <a:t>rollno</a:t>
             </a:r>
             <a:r>
               <a:rPr lang="en-IN" dirty="0" smtClean="0"/>
@@ -5018,11 +4992,7 @@
           <a:p>
             <a:r>
               <a:rPr lang="en-IN" dirty="0" err="1" smtClean="0"/>
-              <a:t>r</a:t>
-            </a:r>
-            <a:r>
-              <a:rPr lang="en-IN" dirty="0" err="1" smtClean="0"/>
-              <a:t>ollno</a:t>
+              <a:t>rollno</a:t>
             </a:r>
             <a:r>
               <a:rPr lang="en-IN" dirty="0" smtClean="0"/>
@@ -5241,11 +5211,7 @@
           <a:p>
             <a:r>
               <a:rPr lang="en-IN" dirty="0" err="1" smtClean="0"/>
-              <a:t>r</a:t>
-            </a:r>
-            <a:r>
-              <a:rPr lang="en-IN" dirty="0" err="1" smtClean="0"/>
-              <a:t>ollno</a:t>
+              <a:t>rollno</a:t>
             </a:r>
             <a:r>
               <a:rPr lang="en-IN" dirty="0" smtClean="0"/>
@@ -5326,15 +5292,7 @@
           <a:p>
             <a:r>
               <a:rPr lang="en-IN" dirty="0" smtClean="0"/>
-              <a:t>s</a:t>
-            </a:r>
-            <a:r>
-              <a:rPr lang="en-IN" dirty="0" smtClean="0"/>
-              <a:t>2</a:t>
-            </a:r>
-            <a:r>
-              <a:rPr lang="en-IN" dirty="0" smtClean="0"/>
-              <a:t> = s1</a:t>
+              <a:t>s2 = s1</a:t>
             </a:r>
             <a:endParaRPr lang="en-US" dirty="0"/>
           </a:p>
@@ -5758,13 +5716,7 @@
               <a:rPr lang="en-US" sz="1500" dirty="0" smtClean="0">
                 <a:hlinkClick r:id="rId3"/>
               </a:rPr>
-              <a:t>http://</a:t>
-            </a:r>
-            <a:r>
-              <a:rPr lang="en-US" sz="1500" dirty="0" smtClean="0">
-                <a:hlinkClick r:id="rId3"/>
-              </a:rPr>
-              <a:t>www.cyber-dojo.org/review/show/TVHTEEVeGC?avatar=hummingbird&amp;was_tag=11&amp;now_tag=12&amp;filename=undefined</a:t>
+              <a:t>http://www.cyber-dojo.org/review/show/TVHTEEVeGC?avatar=hummingbird&amp;was_tag=11&amp;now_tag=12&amp;filename=undefined</a:t>
             </a:r>
             <a:endParaRPr lang="en-US" sz="1500" dirty="0"/>
           </a:p>
@@ -5944,7 +5896,11 @@
           <a:p>
             <a:r>
               <a:rPr lang="en-IN" dirty="0" smtClean="0"/>
-              <a:t>Types of Conning</a:t>
+              <a:t>Types of </a:t>
+            </a:r>
+            <a:r>
+              <a:rPr lang="en-IN" dirty="0" err="1" smtClean="0"/>
+              <a:t>Clonning</a:t>
             </a:r>
             <a:endParaRPr lang="en-US" dirty="0"/>
           </a:p>
@@ -6002,13 +5958,7 @@
               <a:rPr lang="en-IN" dirty="0" smtClean="0">
                 <a:hlinkClick r:id="rId2"/>
               </a:rPr>
-              <a:t>http://</a:t>
-            </a:r>
-            <a:r>
-              <a:rPr lang="en-IN" dirty="0" smtClean="0">
-                <a:hlinkClick r:id="rId2"/>
-              </a:rPr>
-              <a:t>www.cyber-dojo.org/review/show/TVHTEEVeGC?avatar=hummingbird&amp;was_tag=20&amp;now_tag=21&amp;filename=Main.java</a:t>
+              <a:t>http://www.cyber-dojo.org/review/show/TVHTEEVeGC?avatar=hummingbird&amp;was_tag=20&amp;now_tag=21&amp;filename=Main.java</a:t>
             </a:r>
             <a:endParaRPr lang="en-IN" dirty="0" smtClean="0"/>
           </a:p>
